--- a/docs/slides/accbba.pptx
+++ b/docs/slides/accbba.pptx
@@ -211,7 +211,7 @@
           <a:p>
             <a:fld id="{95997608-F877-A844-A447-8F4AE0FF71C9}" type="datetimeFigureOut">
               <a:rPr lang="en-US" smtClean="0"/>
-              <a:t>5/8/23</a:t>
+              <a:t>5/9/23</a:t>
             </a:fld>
             <a:endParaRPr lang="en-US"/>
           </a:p>
@@ -3552,8 +3552,8 @@
           </a:xfrm>
         </p:spPr>
       </p:pic>
-      <mc:AlternateContent xmlns:mc="http://schemas.openxmlformats.org/markup-compatibility/2006">
-        <mc:Choice xmlns:a14="http://schemas.microsoft.com/office/drawing/2010/main" Requires="a14">
+      <mc:AlternateContent xmlns:mc="http://schemas.openxmlformats.org/markup-compatibility/2006" xmlns:a14="http://schemas.microsoft.com/office/drawing/2010/main">
+        <mc:Choice Requires="a14">
           <p:sp>
             <p:nvSpPr>
               <p:cNvPr id="14" name="Content Placeholder 2">
@@ -4280,7 +4280,7 @@
             </p:txBody>
           </p:sp>
         </mc:Choice>
-        <mc:Fallback>
+        <mc:Fallback xmlns="">
           <p:sp>
             <p:nvSpPr>
               <p:cNvPr id="14" name="Content Placeholder 2">
@@ -4339,7 +4339,7 @@
         </p:nvSpPr>
         <p:spPr>
           <a:xfrm>
-            <a:off x="6332055" y="5901333"/>
+            <a:off x="6533936" y="5778222"/>
             <a:ext cx="5123346" cy="246221"/>
           </a:xfrm>
           <a:prstGeom prst="rect">
@@ -4419,8 +4419,8 @@
           </a:p>
         </p:txBody>
       </p:sp>
-      <mc:AlternateContent xmlns:mc="http://schemas.openxmlformats.org/markup-compatibility/2006">
-        <mc:Choice xmlns:a14="http://schemas.microsoft.com/office/drawing/2010/main" Requires="a14">
+      <mc:AlternateContent xmlns:mc="http://schemas.openxmlformats.org/markup-compatibility/2006" xmlns:a14="http://schemas.microsoft.com/office/drawing/2010/main">
+        <mc:Choice Requires="a14">
           <p:sp>
             <p:nvSpPr>
               <p:cNvPr id="3" name="Content Placeholder 2">
@@ -4613,7 +4613,7 @@
             </p:txBody>
           </p:sp>
         </mc:Choice>
-        <mc:Fallback>
+        <mc:Fallback xmlns="">
           <p:sp>
             <p:nvSpPr>
               <p:cNvPr id="3" name="Content Placeholder 2">
@@ -8130,17 +8130,17 @@
           </a:ln>
           <a:extLst>
             <a:ext uri="{FAA26D3D-D897-4be2-8F04-BA451C77F1D7}">
-              <ma14:placeholderFlag xmlns:lc="http://schemas.openxmlformats.org/drawingml/2006/lockedCanvas" xmlns="" xmlns:ma14="http://schemas.microsoft.com/office/mac/drawingml/2011/main" val="1"/>
+              <ma14:placeholderFlag xmlns:ma14="http://schemas.microsoft.com/office/mac/drawingml/2011/main" xmlns="" xmlns:lc="http://schemas.openxmlformats.org/drawingml/2006/lockedCanvas" val="1"/>
             </a:ext>
             <a:ext uri="{909E8E84-426E-40dd-AFC4-6F175D3DCCD1}">
-              <a14:hiddenFill xmlns:lc="http://schemas.openxmlformats.org/drawingml/2006/lockedCanvas" xmlns:a14="http://schemas.microsoft.com/office/drawing/2010/main" xmlns="">
+              <a14:hiddenFill xmlns="" xmlns:a14="http://schemas.microsoft.com/office/drawing/2010/main" xmlns:lc="http://schemas.openxmlformats.org/drawingml/2006/lockedCanvas">
                 <a:solidFill>
                   <a:srgbClr val="FFFFFF"/>
                 </a:solidFill>
               </a14:hiddenFill>
             </a:ext>
             <a:ext uri="{91240B29-F687-4f45-9708-019B960494DF}">
-              <a14:hiddenLine xmlns:lc="http://schemas.openxmlformats.org/drawingml/2006/lockedCanvas" xmlns:a14="http://schemas.microsoft.com/office/drawing/2010/main" xmlns="" w="9525">
+              <a14:hiddenLine xmlns="" xmlns:a14="http://schemas.microsoft.com/office/drawing/2010/main" xmlns:lc="http://schemas.openxmlformats.org/drawingml/2006/lockedCanvas" w="9525">
                 <a:solidFill>
                   <a:srgbClr val="000000"/>
                 </a:solidFill>
@@ -8450,17 +8450,17 @@
           </a:ln>
           <a:extLst>
             <a:ext uri="{FAA26D3D-D897-4be2-8F04-BA451C77F1D7}">
-              <ma14:placeholderFlag xmlns:lc="http://schemas.openxmlformats.org/drawingml/2006/lockedCanvas" xmlns="" xmlns:ma14="http://schemas.microsoft.com/office/mac/drawingml/2011/main" val="1"/>
+              <ma14:placeholderFlag xmlns:ma14="http://schemas.microsoft.com/office/mac/drawingml/2011/main" xmlns="" xmlns:lc="http://schemas.openxmlformats.org/drawingml/2006/lockedCanvas" val="1"/>
             </a:ext>
             <a:ext uri="{909E8E84-426E-40dd-AFC4-6F175D3DCCD1}">
-              <a14:hiddenFill xmlns:lc="http://schemas.openxmlformats.org/drawingml/2006/lockedCanvas" xmlns:a14="http://schemas.microsoft.com/office/drawing/2010/main" xmlns="">
+              <a14:hiddenFill xmlns="" xmlns:a14="http://schemas.microsoft.com/office/drawing/2010/main" xmlns:lc="http://schemas.openxmlformats.org/drawingml/2006/lockedCanvas">
                 <a:solidFill>
                   <a:srgbClr val="FFFFFF"/>
                 </a:solidFill>
               </a14:hiddenFill>
             </a:ext>
             <a:ext uri="{91240B29-F687-4f45-9708-019B960494DF}">
-              <a14:hiddenLine xmlns:lc="http://schemas.openxmlformats.org/drawingml/2006/lockedCanvas" xmlns:a14="http://schemas.microsoft.com/office/drawing/2010/main" xmlns="" w="9525">
+              <a14:hiddenLine xmlns="" xmlns:a14="http://schemas.microsoft.com/office/drawing/2010/main" xmlns:lc="http://schemas.openxmlformats.org/drawingml/2006/lockedCanvas" w="9525">
                 <a:solidFill>
                   <a:srgbClr val="000000"/>
                 </a:solidFill>
@@ -9196,7 +9196,7 @@
           <a:p>
             <a:r>
               <a:rPr lang="en-US" i="1" dirty="0"/>
-              <a:t>Environment still modeled as a server accessed by nodes</a:t>
+              <a:t>Environment modeled as a server accessed by nodes</a:t>
             </a:r>
           </a:p>
           <a:p>
@@ -9217,6 +9217,35 @@
             <a:r>
               <a:rPr lang="en-US" dirty="0"/>
               <a:t>Nodes “sense” the environment by requesting simulated data</a:t>
+            </a:r>
+          </a:p>
+          <a:p>
+            <a:endParaRPr lang="en-US" dirty="0"/>
+          </a:p>
+          <a:p>
+            <a:r>
+              <a:rPr lang="en-US" i="1" dirty="0"/>
+              <a:t>Agents modeled as network nodes</a:t>
+            </a:r>
+          </a:p>
+          <a:p>
+            <a:pPr marL="457200" indent="-457200">
+              <a:buFont typeface="Arial" panose="020B0604020202020204" pitchFamily="34" charset="0"/>
+              <a:buChar char="•"/>
+            </a:pPr>
+            <a:r>
+              <a:rPr lang="en-US" dirty="0"/>
+              <a:t>Can perform peer-to-peer messaging or broadcasts</a:t>
+            </a:r>
+          </a:p>
+          <a:p>
+            <a:pPr marL="457200" indent="-457200">
+              <a:buFont typeface="Arial" panose="020B0604020202020204" pitchFamily="34" charset="0"/>
+              <a:buChar char="•"/>
+            </a:pPr>
+            <a:r>
+              <a:rPr lang="en-US" dirty="0"/>
+              <a:t>Can request information from the environment</a:t>
             </a:r>
           </a:p>
         </p:txBody>
@@ -25899,8 +25928,8 @@
           </a:p>
         </p:txBody>
       </p:sp>
-      <mc:AlternateContent xmlns:mc="http://schemas.openxmlformats.org/markup-compatibility/2006">
-        <mc:Choice xmlns:a14="http://schemas.microsoft.com/office/drawing/2010/main" Requires="a14">
+      <mc:AlternateContent xmlns:mc="http://schemas.openxmlformats.org/markup-compatibility/2006" xmlns:a14="http://schemas.microsoft.com/office/drawing/2010/main">
+        <mc:Choice Requires="a14">
           <p:sp>
             <p:nvSpPr>
               <p:cNvPr id="4" name="Content Placeholder 2">
@@ -26627,7 +26656,7 @@
             </p:txBody>
           </p:sp>
         </mc:Choice>
-        <mc:Fallback>
+        <mc:Fallback xmlns="">
           <p:sp>
             <p:nvSpPr>
               <p:cNvPr id="4" name="Content Placeholder 2">

--- a/docs/slides/accbba.pptx
+++ b/docs/slides/accbba.pptx
@@ -211,7 +211,7 @@
           <a:p>
             <a:fld id="{95997608-F877-A844-A447-8F4AE0FF71C9}" type="datetimeFigureOut">
               <a:rPr lang="en-US" smtClean="0"/>
-              <a:t>5/9/23</a:t>
+              <a:t>5/31/23</a:t>
             </a:fld>
             <a:endParaRPr lang="en-US"/>
           </a:p>
@@ -5554,45 +5554,6 @@
       </p:pic>
       <p:pic>
         <p:nvPicPr>
-          <p:cNvPr id="49" name="Graphic 18" descr="Satellite">
-            <a:extLst>
-              <a:ext uri="{FF2B5EF4-FFF2-40B4-BE49-F238E27FC236}">
-                <a16:creationId xmlns:a16="http://schemas.microsoft.com/office/drawing/2014/main" id="{DE4B03E5-7D13-4569-87A2-B6F7188EDE21}"/>
-              </a:ext>
-            </a:extLst>
-          </p:cNvPr>
-          <p:cNvPicPr>
-            <a:picLocks noChangeAspect="1"/>
-          </p:cNvPicPr>
-          <p:nvPr/>
-        </p:nvPicPr>
-        <p:blipFill>
-          <a:blip r:embed="rId2" cstate="email">
-            <a:extLst>
-              <a:ext uri="{28A0092B-C50C-407E-A947-70E740481C1C}">
-                <a14:useLocalDpi xmlns:a14="http://schemas.microsoft.com/office/drawing/2010/main" val="0"/>
-              </a:ext>
-              <a:ext uri="{96DAC541-7B7A-43D3-8B79-37D633B846F1}">
-                <asvg:svgBlip xmlns:asvg="http://schemas.microsoft.com/office/drawing/2016/SVG/main" r:embed="rId3"/>
-              </a:ext>
-            </a:extLst>
-          </a:blip>
-          <a:stretch>
-            <a:fillRect/>
-          </a:stretch>
-        </p:blipFill>
-        <p:spPr>
-          <a:xfrm>
-            <a:off x="5874459" y="3365134"/>
-            <a:ext cx="626122" cy="626122"/>
-          </a:xfrm>
-          <a:prstGeom prst="rect">
-            <a:avLst/>
-          </a:prstGeom>
-        </p:spPr>
-      </p:pic>
-      <p:pic>
-        <p:nvPicPr>
           <p:cNvPr id="50" name="Graphic 19" descr="Satellite">
             <a:extLst>
               <a:ext uri="{FF2B5EF4-FFF2-40B4-BE49-F238E27FC236}">
@@ -6008,7 +5969,7 @@
         <p:spPr>
           <a:xfrm>
             <a:off x="5723983" y="3927526"/>
-            <a:ext cx="930114" cy="415498"/>
+            <a:ext cx="930114" cy="253916"/>
           </a:xfrm>
           <a:prstGeom prst="rect">
             <a:avLst/>
@@ -6150,7 +6111,7 @@
               <a:rPr lang="en-US" sz="1050" dirty="0">
                 <a:latin typeface="Geneva (Body)"/>
               </a:rPr>
-              <a:t>Satellite Node</a:t>
+              <a:t>UAV Node</a:t>
             </a:r>
           </a:p>
         </p:txBody>
@@ -6958,7 +6919,6 @@
           <p:cNvCxnSpPr>
             <a:cxnSpLocks/>
             <a:stCxn id="51" idx="1"/>
-            <a:endCxn id="49" idx="3"/>
           </p:cNvCxnSpPr>
           <p:nvPr/>
         </p:nvCxnSpPr>
@@ -8130,17 +8090,17 @@
           </a:ln>
           <a:extLst>
             <a:ext uri="{FAA26D3D-D897-4be2-8F04-BA451C77F1D7}">
-              <ma14:placeholderFlag xmlns:ma14="http://schemas.microsoft.com/office/mac/drawingml/2011/main" xmlns="" xmlns:lc="http://schemas.openxmlformats.org/drawingml/2006/lockedCanvas" val="1"/>
+              <ma14:placeholderFlag xmlns:lc="http://schemas.openxmlformats.org/drawingml/2006/lockedCanvas" xmlns="" xmlns:ma14="http://schemas.microsoft.com/office/mac/drawingml/2011/main" val="1"/>
             </a:ext>
             <a:ext uri="{909E8E84-426E-40dd-AFC4-6F175D3DCCD1}">
-              <a14:hiddenFill xmlns="" xmlns:a14="http://schemas.microsoft.com/office/drawing/2010/main" xmlns:lc="http://schemas.openxmlformats.org/drawingml/2006/lockedCanvas">
+              <a14:hiddenFill xmlns:lc="http://schemas.openxmlformats.org/drawingml/2006/lockedCanvas" xmlns:a14="http://schemas.microsoft.com/office/drawing/2010/main" xmlns="">
                 <a:solidFill>
                   <a:srgbClr val="FFFFFF"/>
                 </a:solidFill>
               </a14:hiddenFill>
             </a:ext>
             <a:ext uri="{91240B29-F687-4f45-9708-019B960494DF}">
-              <a14:hiddenLine xmlns="" xmlns:a14="http://schemas.microsoft.com/office/drawing/2010/main" xmlns:lc="http://schemas.openxmlformats.org/drawingml/2006/lockedCanvas" w="9525">
+              <a14:hiddenLine xmlns:lc="http://schemas.openxmlformats.org/drawingml/2006/lockedCanvas" xmlns:a14="http://schemas.microsoft.com/office/drawing/2010/main" xmlns="" w="9525">
                 <a:solidFill>
                   <a:srgbClr val="000000"/>
                 </a:solidFill>
@@ -8450,17 +8410,17 @@
           </a:ln>
           <a:extLst>
             <a:ext uri="{FAA26D3D-D897-4be2-8F04-BA451C77F1D7}">
-              <ma14:placeholderFlag xmlns:ma14="http://schemas.microsoft.com/office/mac/drawingml/2011/main" xmlns="" xmlns:lc="http://schemas.openxmlformats.org/drawingml/2006/lockedCanvas" val="1"/>
+              <ma14:placeholderFlag xmlns:lc="http://schemas.openxmlformats.org/drawingml/2006/lockedCanvas" xmlns="" xmlns:ma14="http://schemas.microsoft.com/office/mac/drawingml/2011/main" val="1"/>
             </a:ext>
             <a:ext uri="{909E8E84-426E-40dd-AFC4-6F175D3DCCD1}">
-              <a14:hiddenFill xmlns="" xmlns:a14="http://schemas.microsoft.com/office/drawing/2010/main" xmlns:lc="http://schemas.openxmlformats.org/drawingml/2006/lockedCanvas">
+              <a14:hiddenFill xmlns:lc="http://schemas.openxmlformats.org/drawingml/2006/lockedCanvas" xmlns:a14="http://schemas.microsoft.com/office/drawing/2010/main" xmlns="">
                 <a:solidFill>
                   <a:srgbClr val="FFFFFF"/>
                 </a:solidFill>
               </a14:hiddenFill>
             </a:ext>
             <a:ext uri="{91240B29-F687-4f45-9708-019B960494DF}">
-              <a14:hiddenLine xmlns="" xmlns:a14="http://schemas.microsoft.com/office/drawing/2010/main" xmlns:lc="http://schemas.openxmlformats.org/drawingml/2006/lockedCanvas" w="9525">
+              <a14:hiddenLine xmlns:lc="http://schemas.openxmlformats.org/drawingml/2006/lockedCanvas" xmlns:a14="http://schemas.microsoft.com/office/drawing/2010/main" xmlns="" w="9525">
                 <a:solidFill>
                   <a:srgbClr val="000000"/>
                 </a:solidFill>
@@ -8658,7 +8618,6 @@
           </p:cNvPr>
           <p:cNvCxnSpPr>
             <a:cxnSpLocks/>
-            <a:endCxn id="49" idx="0"/>
           </p:cNvCxnSpPr>
           <p:nvPr/>
         </p:nvCxnSpPr>
@@ -9295,6 +9254,42 @@
           </a:fontRef>
         </p:style>
       </p:cxnSp>
+      <p:pic>
+        <p:nvPicPr>
+          <p:cNvPr id="4" name="Graphic 3" descr="Quadcopter with solid fill">
+            <a:extLst>
+              <a:ext uri="{FF2B5EF4-FFF2-40B4-BE49-F238E27FC236}">
+                <a16:creationId xmlns:a16="http://schemas.microsoft.com/office/drawing/2014/main" id="{5E534BE8-A6DA-351B-C7C1-D4F4AAC5C2AD}"/>
+              </a:ext>
+            </a:extLst>
+          </p:cNvPr>
+          <p:cNvPicPr>
+            <a:picLocks noChangeAspect="1"/>
+          </p:cNvPicPr>
+          <p:nvPr/>
+        </p:nvPicPr>
+        <p:blipFill>
+          <a:blip r:embed="rId15">
+            <a:extLst>
+              <a:ext uri="{96DAC541-7B7A-43D3-8B79-37D633B846F1}">
+                <asvg:svgBlip xmlns:asvg="http://schemas.microsoft.com/office/drawing/2016/SVG/main" r:embed="rId16"/>
+              </a:ext>
+            </a:extLst>
+          </a:blip>
+          <a:stretch>
+            <a:fillRect/>
+          </a:stretch>
+        </p:blipFill>
+        <p:spPr>
+          <a:xfrm>
+            <a:off x="5692221" y="3235261"/>
+            <a:ext cx="914400" cy="914400"/>
+          </a:xfrm>
+          <a:prstGeom prst="rect">
+            <a:avLst/>
+          </a:prstGeom>
+        </p:spPr>
+      </p:pic>
     </p:spTree>
     <p:extLst>
       <p:ext uri="{BB962C8B-B14F-4D97-AF65-F5344CB8AC3E}">
